--- a/assets/img/Presentación1.pptx
+++ b/assets/img/Presentación1.pptx
@@ -6,6 +6,7 @@
   </p:sldMasterIdLst>
   <p:sldIdLst>
     <p:sldId id="256" r:id="rId2"/>
+    <p:sldId id="257" r:id="rId3"/>
   </p:sldIdLst>
   <p:sldSz cx="12192000" cy="6858000"/>
   <p:notesSz cx="6858000" cy="9144000"/>
@@ -104,6 +105,11 @@
       </a:defRPr>
     </a:lvl9pPr>
   </p:defaultTextStyle>
+  <p:extLst>
+    <p:ext uri="{EFAFB233-063F-42B5-8137-9DF3F51BA10A}">
+      <p15:sldGuideLst xmlns:p15="http://schemas.microsoft.com/office/powerpoint/2012/main"/>
+    </p:ext>
+  </p:extLst>
 </p:presentation>
 </file>
 
@@ -256,7 +262,7 @@
           <a:p>
             <a:fld id="{57C96369-45F4-B442-8A9B-285012DB4FB4}" type="datetimeFigureOut">
               <a:rPr lang="es-MX" smtClean="0"/>
-              <a:t>20/03/19</a:t>
+              <a:t>20/07/19</a:t>
             </a:fld>
             <a:endParaRPr lang="es-MX"/>
           </a:p>
@@ -456,7 +462,7 @@
           <a:p>
             <a:fld id="{57C96369-45F4-B442-8A9B-285012DB4FB4}" type="datetimeFigureOut">
               <a:rPr lang="es-MX" smtClean="0"/>
-              <a:t>20/03/19</a:t>
+              <a:t>20/07/19</a:t>
             </a:fld>
             <a:endParaRPr lang="es-MX"/>
           </a:p>
@@ -666,7 +672,7 @@
           <a:p>
             <a:fld id="{57C96369-45F4-B442-8A9B-285012DB4FB4}" type="datetimeFigureOut">
               <a:rPr lang="es-MX" smtClean="0"/>
-              <a:t>20/03/19</a:t>
+              <a:t>20/07/19</a:t>
             </a:fld>
             <a:endParaRPr lang="es-MX"/>
           </a:p>
@@ -866,7 +872,7 @@
           <a:p>
             <a:fld id="{57C96369-45F4-B442-8A9B-285012DB4FB4}" type="datetimeFigureOut">
               <a:rPr lang="es-MX" smtClean="0"/>
-              <a:t>20/03/19</a:t>
+              <a:t>20/07/19</a:t>
             </a:fld>
             <a:endParaRPr lang="es-MX"/>
           </a:p>
@@ -1142,7 +1148,7 @@
           <a:p>
             <a:fld id="{57C96369-45F4-B442-8A9B-285012DB4FB4}" type="datetimeFigureOut">
               <a:rPr lang="es-MX" smtClean="0"/>
-              <a:t>20/03/19</a:t>
+              <a:t>20/07/19</a:t>
             </a:fld>
             <a:endParaRPr lang="es-MX"/>
           </a:p>
@@ -1410,7 +1416,7 @@
           <a:p>
             <a:fld id="{57C96369-45F4-B442-8A9B-285012DB4FB4}" type="datetimeFigureOut">
               <a:rPr lang="es-MX" smtClean="0"/>
-              <a:t>20/03/19</a:t>
+              <a:t>20/07/19</a:t>
             </a:fld>
             <a:endParaRPr lang="es-MX"/>
           </a:p>
@@ -1825,7 +1831,7 @@
           <a:p>
             <a:fld id="{57C96369-45F4-B442-8A9B-285012DB4FB4}" type="datetimeFigureOut">
               <a:rPr lang="es-MX" smtClean="0"/>
-              <a:t>20/03/19</a:t>
+              <a:t>20/07/19</a:t>
             </a:fld>
             <a:endParaRPr lang="es-MX"/>
           </a:p>
@@ -1967,7 +1973,7 @@
           <a:p>
             <a:fld id="{57C96369-45F4-B442-8A9B-285012DB4FB4}" type="datetimeFigureOut">
               <a:rPr lang="es-MX" smtClean="0"/>
-              <a:t>20/03/19</a:t>
+              <a:t>20/07/19</a:t>
             </a:fld>
             <a:endParaRPr lang="es-MX"/>
           </a:p>
@@ -2080,7 +2086,7 @@
           <a:p>
             <a:fld id="{57C96369-45F4-B442-8A9B-285012DB4FB4}" type="datetimeFigureOut">
               <a:rPr lang="es-MX" smtClean="0"/>
-              <a:t>20/03/19</a:t>
+              <a:t>20/07/19</a:t>
             </a:fld>
             <a:endParaRPr lang="es-MX"/>
           </a:p>
@@ -2393,7 +2399,7 @@
           <a:p>
             <a:fld id="{57C96369-45F4-B442-8A9B-285012DB4FB4}" type="datetimeFigureOut">
               <a:rPr lang="es-MX" smtClean="0"/>
-              <a:t>20/03/19</a:t>
+              <a:t>20/07/19</a:t>
             </a:fld>
             <a:endParaRPr lang="es-MX"/>
           </a:p>
@@ -2682,7 +2688,7 @@
           <a:p>
             <a:fld id="{57C96369-45F4-B442-8A9B-285012DB4FB4}" type="datetimeFigureOut">
               <a:rPr lang="es-MX" smtClean="0"/>
-              <a:t>20/03/19</a:t>
+              <a:t>20/07/19</a:t>
             </a:fld>
             <a:endParaRPr lang="es-MX"/>
           </a:p>
@@ -2925,7 +2931,7 @@
           <a:p>
             <a:fld id="{57C96369-45F4-B442-8A9B-285012DB4FB4}" type="datetimeFigureOut">
               <a:rPr lang="es-MX" smtClean="0"/>
-              <a:t>20/03/19</a:t>
+              <a:t>20/07/19</a:t>
             </a:fld>
             <a:endParaRPr lang="es-MX"/>
           </a:p>
@@ -3456,6 +3462,204 @@
 </p:sld>
 </file>
 
+<file path=ppt/slides/slide2.xml><?xml version="1.0" encoding="utf-8"?>
+<p:sld xmlns:a="http://schemas.openxmlformats.org/drawingml/2006/main" xmlns:r="http://schemas.openxmlformats.org/officeDocument/2006/relationships" xmlns:p="http://schemas.openxmlformats.org/presentationml/2006/main">
+  <p:cSld>
+    <p:spTree>
+      <p:nvGrpSpPr>
+        <p:cNvPr id="1" name=""/>
+        <p:cNvGrpSpPr/>
+        <p:nvPr/>
+      </p:nvGrpSpPr>
+      <p:grpSpPr>
+        <a:xfrm>
+          <a:off x="0" y="0"/>
+          <a:ext cx="0" cy="0"/>
+          <a:chOff x="0" y="0"/>
+          <a:chExt cx="0" cy="0"/>
+        </a:xfrm>
+      </p:grpSpPr>
+      <p:pic>
+        <p:nvPicPr>
+          <p:cNvPr id="4" name="Imagen 3">
+            <a:extLst>
+              <a:ext uri="{FF2B5EF4-FFF2-40B4-BE49-F238E27FC236}">
+                <a16:creationId xmlns:a16="http://schemas.microsoft.com/office/drawing/2014/main" id="{64BBE041-4C0E-1A43-83C5-F8487B5B7B60}"/>
+              </a:ext>
+            </a:extLst>
+          </p:cNvPr>
+          <p:cNvPicPr>
+            <a:picLocks/>
+          </p:cNvPicPr>
+          <p:nvPr/>
+        </p:nvPicPr>
+        <p:blipFill rotWithShape="1">
+          <a:blip r:embed="rId2">
+            <a:extLst>
+              <a:ext uri="{BEBA8EAE-BF5A-486C-A8C5-ECC9F3942E4B}">
+                <a14:imgProps xmlns:a14="http://schemas.microsoft.com/office/drawing/2010/main">
+                  <a14:imgLayer r:embed="rId3">
+                    <a14:imgEffect>
+                      <a14:backgroundRemoval t="4408" b="95476" l="6728" r="95413">
+                        <a14:foregroundMark x1="11022" y1="29391" x2="6728" y2="48724"/>
+                        <a14:foregroundMark x1="6728" y1="48724" x2="22018" y2="61021"/>
+                        <a14:foregroundMark x1="45107" y1="88747" x2="51070" y2="89559"/>
+                        <a14:foregroundMark x1="50306" y1="92111" x2="49388" y2="95476"/>
+                        <a14:foregroundMark x1="85015" y1="59513" x2="91437" y2="34571"/>
+                        <a14:foregroundMark x1="92966" y1="45708" x2="95107" y2="36311"/>
+                        <a14:foregroundMark x1="95107" y1="36311" x2="95413" y2="36195"/>
+                        <a14:foregroundMark x1="75688" y1="13689" x2="53211" y2="7541"/>
+                        <a14:foregroundMark x1="52752" y1="4988" x2="47859" y2="4408"/>
+                        <a14:foregroundMark x1="46789" y1="28190" x2="41131" y2="18910"/>
+                        <a14:foregroundMark x1="27217" y1="39211" x2="40367" y2="39443"/>
+                        <a14:foregroundMark x1="48930" y1="30974" x2="47248" y2="40719"/>
+                        <a14:foregroundMark x1="11162" y1="26334" x2="10550" y2="29234"/>
+                        <a14:foregroundMark x1="10703" y1="30278" x2="13456" y2="28074"/>
+                        <a14:foregroundMark x1="13761" y1="27726" x2="12997" y2="28886"/>
+                        <a14:foregroundMark x1="8104" y1="26798" x2="6881" y2="28770"/>
+                        <a14:foregroundMark x1="13609" y1="27726" x2="12080" y2="29118"/>
+                        <a14:foregroundMark x1="34557" y1="30394" x2="34862" y2="31439"/>
+                        <a14:foregroundMark x1="34862" y1="31323" x2="46024" y2="31903"/>
+                        <a14:foregroundMark x1="46024" y1="31903" x2="47554" y2="32367"/>
+                        <a14:foregroundMark x1="52599" y1="34687" x2="59633" y2="34107"/>
+                        <a14:foregroundMark x1="57951" y1="34687" x2="61621" y2="34223"/>
+                        <a14:foregroundMark x1="49388" y1="34339" x2="52599" y2="33411"/>
+                        <a14:foregroundMark x1="60092" y1="34455" x2="62385" y2="34223"/>
+                        <a14:foregroundMark x1="53058" y1="33527" x2="52141" y2="33527"/>
+                        <a14:foregroundMark x1="53823" y1="33759" x2="51682" y2="33759"/>
+                        <a14:foregroundMark x1="61315" y1="34687" x2="61927" y2="34571"/>
+                        <a14:backgroundMark x1="30734" y1="22622" x2="25841" y2="29814"/>
+                        <a14:backgroundMark x1="32722" y1="35731" x2="38226" y2="35731"/>
+                        <a14:backgroundMark x1="53976" y1="41067" x2="53976" y2="41067"/>
+                        <a14:backgroundMark x1="53517" y1="41763" x2="54281" y2="38399"/>
+                        <a14:backgroundMark x1="20795" y1="35151" x2="23242" y2="28074"/>
+                        <a14:backgroundMark x1="32110" y1="19142" x2="23853" y2="25406"/>
+                        <a14:backgroundMark x1="23853" y1="25406" x2="23853" y2="25522"/>
+                        <a14:backgroundMark x1="29052" y1="32251" x2="22171" y2="39559"/>
+                        <a14:backgroundMark x1="22171" y1="39559" x2="26300" y2="49072"/>
+                        <a14:backgroundMark x1="26300" y1="49072" x2="34557" y2="55916"/>
+                        <a14:backgroundMark x1="34557" y1="55916" x2="34557" y2="56265"/>
+                        <a14:backgroundMark x1="18654" y1="44780" x2="24465" y2="53248"/>
+                        <a14:backgroundMark x1="24465" y1="53248" x2="33180" y2="59977"/>
+                        <a14:backgroundMark x1="33180" y1="59977" x2="37156" y2="60441"/>
+                        <a14:backgroundMark x1="41284" y1="64153" x2="51835" y2="59861"/>
+                        <a14:backgroundMark x1="51835" y1="59861" x2="63456" y2="60093"/>
+                        <a14:backgroundMark x1="63456" y1="60093" x2="72630" y2="53364"/>
+                        <a14:backgroundMark x1="72630" y1="53364" x2="75076" y2="44200"/>
+                        <a14:backgroundMark x1="75076" y1="44200" x2="62232" y2="43619"/>
+                        <a14:backgroundMark x1="62232" y1="43619" x2="68654" y2="35615"/>
+                        <a14:backgroundMark x1="32467" y1="30741" x2="14821" y2="28365"/>
+                        <a14:backgroundMark x1="68654" y1="35615" x2="62002" y2="34719"/>
+                        <a14:backgroundMark x1="55810" y1="64385" x2="66361" y2="61021"/>
+                        <a14:backgroundMark x1="66361" y1="61021" x2="80122" y2="46172"/>
+                        <a14:backgroundMark x1="80122" y1="46172" x2="74924" y2="37239"/>
+                        <a14:backgroundMark x1="74924" y1="37239" x2="80581" y2="32019"/>
+                        <a14:backgroundMark x1="83945" y1="35615" x2="79817" y2="25638"/>
+                        <a14:backgroundMark x1="79817" y1="25638" x2="62844" y2="14733"/>
+                        <a14:backgroundMark x1="70183" y1="25870" x2="59021" y2="24826"/>
+                        <a14:backgroundMark x1="59021" y1="24826" x2="51835" y2="17633"/>
+                        <a14:backgroundMark x1="51835" y1="17633" x2="49694" y2="17749"/>
+                        <a14:backgroundMark x1="49083" y1="18097" x2="42202" y2="11949"/>
+                      </a14:backgroundRemoval>
+                    </a14:imgEffect>
+                  </a14:imgLayer>
+                </a14:imgProps>
+              </a:ext>
+            </a:extLst>
+          </a:blip>
+          <a:srcRect l="-7428" t="2779" r="-6731" b="2430"/>
+          <a:stretch/>
+        </p:blipFill>
+        <p:spPr>
+          <a:xfrm>
+            <a:off x="4755222" y="462336"/>
+            <a:ext cx="2681556" cy="2584315"/>
+          </a:xfrm>
+          <a:prstGeom prst="rect">
+            <a:avLst/>
+          </a:prstGeom>
+        </p:spPr>
+      </p:pic>
+      <p:sp>
+        <p:nvSpPr>
+          <p:cNvPr id="5" name="Rectángulo 4">
+            <a:extLst>
+              <a:ext uri="{FF2B5EF4-FFF2-40B4-BE49-F238E27FC236}">
+                <a16:creationId xmlns:a16="http://schemas.microsoft.com/office/drawing/2014/main" id="{7D96A275-1D6A-D64E-ACDF-04040C19B7BB}"/>
+              </a:ext>
+            </a:extLst>
+          </p:cNvPr>
+          <p:cNvSpPr/>
+          <p:nvPr/>
+        </p:nvSpPr>
+        <p:spPr>
+          <a:xfrm>
+            <a:off x="4428717" y="2967335"/>
+            <a:ext cx="3334567" cy="923330"/>
+          </a:xfrm>
+          <a:prstGeom prst="rect">
+            <a:avLst/>
+          </a:prstGeom>
+          <a:noFill/>
+        </p:spPr>
+        <p:txBody>
+          <a:bodyPr wrap="none" lIns="91440" tIns="45720" rIns="91440" bIns="45720">
+            <a:spAutoFit/>
+          </a:bodyPr>
+          <a:lstStyle/>
+          <a:p>
+            <a:pPr algn="ctr"/>
+            <a:r>
+              <a:rPr lang="es-ES" sz="5400" b="1" cap="none" spc="0" dirty="0" err="1">
+                <a:ln w="0"/>
+                <a:solidFill>
+                  <a:schemeClr val="accent1"/>
+                </a:solidFill>
+                <a:effectLst>
+                  <a:outerShdw blurRad="38100" dist="25400" dir="5400000" algn="ctr" rotWithShape="0">
+                    <a:srgbClr val="6E747A">
+                      <a:alpha val="43000"/>
+                    </a:srgbClr>
+                  </a:outerShdw>
+                </a:effectLst>
+                <a:latin typeface="Comic Sans MS" panose="030F0902030302020204" pitchFamily="66" charset="0"/>
+                <a:ea typeface="Ayuthaya" pitchFamily="2" charset="-34"/>
+                <a:cs typeface="Ayuthaya" pitchFamily="2" charset="-34"/>
+              </a:rPr>
+              <a:t>TurnoApp</a:t>
+            </a:r>
+            <a:endParaRPr lang="es-ES" sz="5400" b="1" cap="none" spc="0" dirty="0">
+              <a:ln w="0"/>
+              <a:solidFill>
+                <a:schemeClr val="accent1"/>
+              </a:solidFill>
+              <a:effectLst>
+                <a:outerShdw blurRad="38100" dist="25400" dir="5400000" algn="ctr" rotWithShape="0">
+                  <a:srgbClr val="6E747A">
+                    <a:alpha val="43000"/>
+                  </a:srgbClr>
+                </a:outerShdw>
+              </a:effectLst>
+              <a:latin typeface="Comic Sans MS" panose="030F0902030302020204" pitchFamily="66" charset="0"/>
+              <a:ea typeface="Ayuthaya" pitchFamily="2" charset="-34"/>
+              <a:cs typeface="Ayuthaya" pitchFamily="2" charset="-34"/>
+            </a:endParaRPr>
+          </a:p>
+        </p:txBody>
+      </p:sp>
+    </p:spTree>
+    <p:extLst>
+      <p:ext uri="{BB962C8B-B14F-4D97-AF65-F5344CB8AC3E}">
+        <p14:creationId xmlns:p14="http://schemas.microsoft.com/office/powerpoint/2010/main" val="1249105699"/>
+      </p:ext>
+    </p:extLst>
+  </p:cSld>
+  <p:clrMapOvr>
+    <a:masterClrMapping/>
+  </p:clrMapOvr>
+</p:sld>
+</file>
+
 <file path=ppt/theme/theme1.xml><?xml version="1.0" encoding="utf-8"?>
 <a:theme xmlns:a="http://schemas.openxmlformats.org/drawingml/2006/main" name="Tema de Office">
   <a:themeElements>
